--- a/Presentation1.pptx
+++ b/Presentation1.pptx
@@ -343,7 +343,7 @@
             <a:fld id="{5586B75A-687E-405C-8A0B-8D00578BA2C3}" type="datetimeFigureOut">
               <a:rPr lang="en-US" dirty="0"/>
               <a:pPr/>
-              <a:t>5/5/21</a:t>
+              <a:t>5/10/21</a:t>
             </a:fld>
             <a:endParaRPr lang="en-US" dirty="0"/>
           </a:p>
@@ -510,7 +510,7 @@
             <a:fld id="{5586B75A-687E-405C-8A0B-8D00578BA2C3}" type="datetimeFigureOut">
               <a:rPr lang="en-US" dirty="0"/>
               <a:pPr/>
-              <a:t>5/5/21</a:t>
+              <a:t>5/10/21</a:t>
             </a:fld>
             <a:endParaRPr lang="en-US" dirty="0"/>
           </a:p>
@@ -687,7 +687,7 @@
             <a:fld id="{5586B75A-687E-405C-8A0B-8D00578BA2C3}" type="datetimeFigureOut">
               <a:rPr lang="en-US" dirty="0"/>
               <a:pPr/>
-              <a:t>5/5/21</a:t>
+              <a:t>5/10/21</a:t>
             </a:fld>
             <a:endParaRPr lang="en-US" dirty="0"/>
           </a:p>
@@ -854,7 +854,7 @@
             <a:fld id="{5586B75A-687E-405C-8A0B-8D00578BA2C3}" type="datetimeFigureOut">
               <a:rPr lang="en-US" dirty="0"/>
               <a:pPr/>
-              <a:t>5/5/21</a:t>
+              <a:t>5/10/21</a:t>
             </a:fld>
             <a:endParaRPr lang="en-US" dirty="0"/>
           </a:p>
@@ -1109,7 +1109,7 @@
             <a:fld id="{5586B75A-687E-405C-8A0B-8D00578BA2C3}" type="datetimeFigureOut">
               <a:rPr lang="en-US" dirty="0"/>
               <a:pPr/>
-              <a:t>5/5/21</a:t>
+              <a:t>5/10/21</a:t>
             </a:fld>
             <a:endParaRPr lang="en-US" dirty="0"/>
           </a:p>
@@ -1394,7 +1394,7 @@
             <a:fld id="{5586B75A-687E-405C-8A0B-8D00578BA2C3}" type="datetimeFigureOut">
               <a:rPr lang="en-US" dirty="0"/>
               <a:pPr/>
-              <a:t>5/5/21</a:t>
+              <a:t>5/10/21</a:t>
             </a:fld>
             <a:endParaRPr lang="en-US" dirty="0"/>
           </a:p>
@@ -1833,7 +1833,7 @@
             <a:fld id="{5586B75A-687E-405C-8A0B-8D00578BA2C3}" type="datetimeFigureOut">
               <a:rPr lang="en-US" dirty="0"/>
               <a:pPr/>
-              <a:t>5/5/21</a:t>
+              <a:t>5/10/21</a:t>
             </a:fld>
             <a:endParaRPr lang="en-US" dirty="0"/>
           </a:p>
@@ -1948,7 +1948,7 @@
             <a:fld id="{5586B75A-687E-405C-8A0B-8D00578BA2C3}" type="datetimeFigureOut">
               <a:rPr lang="en-US" dirty="0"/>
               <a:pPr/>
-              <a:t>5/5/21</a:t>
+              <a:t>5/10/21</a:t>
             </a:fld>
             <a:endParaRPr lang="en-US" dirty="0"/>
           </a:p>
@@ -2040,7 +2040,7 @@
             <a:fld id="{5586B75A-687E-405C-8A0B-8D00578BA2C3}" type="datetimeFigureOut">
               <a:rPr lang="en-US" dirty="0"/>
               <a:pPr/>
-              <a:t>5/5/21</a:t>
+              <a:t>5/10/21</a:t>
             </a:fld>
             <a:endParaRPr lang="en-US" dirty="0"/>
           </a:p>
@@ -2325,7 +2325,7 @@
             <a:fld id="{5586B75A-687E-405C-8A0B-8D00578BA2C3}" type="datetimeFigureOut">
               <a:rPr lang="en-US" dirty="0"/>
               <a:pPr/>
-              <a:t>5/5/21</a:t>
+              <a:t>5/10/21</a:t>
             </a:fld>
             <a:endParaRPr lang="en-US" dirty="0"/>
           </a:p>
@@ -2595,7 +2595,7 @@
             <a:fld id="{5586B75A-687E-405C-8A0B-8D00578BA2C3}" type="datetimeFigureOut">
               <a:rPr lang="en-US" dirty="0"/>
               <a:pPr/>
-              <a:t>5/5/21</a:t>
+              <a:t>5/10/21</a:t>
             </a:fld>
             <a:endParaRPr lang="en-US" dirty="0"/>
           </a:p>
@@ -2889,7 +2889,7 @@
             <a:fld id="{5586B75A-687E-405C-8A0B-8D00578BA2C3}" type="datetimeFigureOut">
               <a:rPr lang="en-US" dirty="0"/>
               <a:pPr/>
-              <a:t>5/5/21</a:t>
+              <a:t>5/10/21</a:t>
             </a:fld>
             <a:endParaRPr lang="en-US" dirty="0"/>
           </a:p>
@@ -3952,7 +3952,7 @@
         <p:spPr/>
         <p:txBody>
           <a:bodyPr>
-            <a:normAutofit lnSpcReduction="10000"/>
+            <a:normAutofit/>
           </a:bodyPr>
           <a:lstStyle/>
           <a:p>
@@ -4079,13 +4079,10 @@
             </a:r>
           </a:p>
           <a:p>
+            <a:pPr marL="0" indent="0">
+              <a:buNone/>
+            </a:pPr>
             <a:endParaRPr lang="en-CZ" dirty="0"/>
-          </a:p>
-          <a:p>
-            <a:r>
-              <a:rPr lang="en-CZ" dirty="0"/>
-              <a:t>Ke konci komunikace s kadeřnicemi =&gt; doplnění obsahu</a:t>
-            </a:r>
           </a:p>
         </p:txBody>
       </p:sp>
